--- a/bctt.pptx
+++ b/bctt.pptx
@@ -127,7 +127,7 @@
   <pc:docChgLst>
     <pc:chgData name="青木 大介" userId="a5fa08e51d23e1a7" providerId="LiveId" clId="{A81419D9-00A0-4D45-8079-DE434CE7A7CD}"/>
     <pc:docChg chg="custSel addSld delSld modSld sldOrd">
-      <pc:chgData name="青木 大介" userId="a5fa08e51d23e1a7" providerId="LiveId" clId="{A81419D9-00A0-4D45-8079-DE434CE7A7CD}" dt="2021-03-15T06:21:16.823" v="39"/>
+      <pc:chgData name="青木 大介" userId="a5fa08e51d23e1a7" providerId="LiveId" clId="{A81419D9-00A0-4D45-8079-DE434CE7A7CD}" dt="2021-03-16T07:37:39.071" v="79"/>
       <pc:docMkLst>
         <pc:docMk/>
       </pc:docMkLst>
@@ -250,12 +250,20 @@
           <pc:sldMk cId="1740090093" sldId="262"/>
         </pc:sldMkLst>
       </pc:sldChg>
-      <pc:sldChg chg="addSp add mod ord">
-        <pc:chgData name="青木 大介" userId="a5fa08e51d23e1a7" providerId="LiveId" clId="{A81419D9-00A0-4D45-8079-DE434CE7A7CD}" dt="2021-03-15T05:36:07.771" v="24"/>
+      <pc:sldChg chg="addSp modSp add mod ord">
+        <pc:chgData name="青木 大介" userId="a5fa08e51d23e1a7" providerId="LiveId" clId="{A81419D9-00A0-4D45-8079-DE434CE7A7CD}" dt="2021-03-16T07:36:08.217" v="65" actId="1076"/>
         <pc:sldMkLst>
           <pc:docMk/>
           <pc:sldMk cId="2053454047" sldId="262"/>
         </pc:sldMkLst>
+        <pc:spChg chg="add mod">
+          <ac:chgData name="青木 大介" userId="a5fa08e51d23e1a7" providerId="LiveId" clId="{A81419D9-00A0-4D45-8079-DE434CE7A7CD}" dt="2021-03-16T07:36:08.217" v="65" actId="1076"/>
+          <ac:spMkLst>
+            <pc:docMk/>
+            <pc:sldMk cId="2053454047" sldId="262"/>
+            <ac:spMk id="2" creationId="{0B1B7CAE-1E49-4CB2-8BBC-7403A64B51D2}"/>
+          </ac:spMkLst>
+        </pc:spChg>
         <pc:picChg chg="add">
           <ac:chgData name="青木 大介" userId="a5fa08e51d23e1a7" providerId="LiveId" clId="{A81419D9-00A0-4D45-8079-DE434CE7A7CD}" dt="2021-03-15T05:36:04.855" v="22" actId="22"/>
           <ac:picMkLst>
@@ -272,12 +280,20 @@
           <pc:sldMk cId="3285822492" sldId="263"/>
         </pc:sldMkLst>
       </pc:sldChg>
-      <pc:sldChg chg="addSp add mod ord">
-        <pc:chgData name="青木 大介" userId="a5fa08e51d23e1a7" providerId="LiveId" clId="{A81419D9-00A0-4D45-8079-DE434CE7A7CD}" dt="2021-03-15T05:36:30.494" v="27"/>
+      <pc:sldChg chg="addSp modSp add mod ord">
+        <pc:chgData name="青木 大介" userId="a5fa08e51d23e1a7" providerId="LiveId" clId="{A81419D9-00A0-4D45-8079-DE434CE7A7CD}" dt="2021-03-16T07:37:39.071" v="79"/>
         <pc:sldMkLst>
           <pc:docMk/>
           <pc:sldMk cId="3794970216" sldId="263"/>
         </pc:sldMkLst>
+        <pc:spChg chg="add mod">
+          <ac:chgData name="青木 大介" userId="a5fa08e51d23e1a7" providerId="LiveId" clId="{A81419D9-00A0-4D45-8079-DE434CE7A7CD}" dt="2021-03-16T07:37:39.071" v="79"/>
+          <ac:spMkLst>
+            <pc:docMk/>
+            <pc:sldMk cId="3794970216" sldId="263"/>
+            <ac:spMk id="4" creationId="{10D36407-4A1C-491C-B8D8-9F63BD8A1077}"/>
+          </ac:spMkLst>
+        </pc:spChg>
         <pc:picChg chg="add">
           <ac:chgData name="青木 大介" userId="a5fa08e51d23e1a7" providerId="LiveId" clId="{A81419D9-00A0-4D45-8079-DE434CE7A7CD}" dt="2021-03-15T05:36:28.274" v="25" actId="22"/>
           <ac:picMkLst>
@@ -294,12 +310,20 @@
           <pc:sldMk cId="1069502109" sldId="264"/>
         </pc:sldMkLst>
       </pc:sldChg>
-      <pc:sldChg chg="addSp add mod ord">
-        <pc:chgData name="青木 大介" userId="a5fa08e51d23e1a7" providerId="LiveId" clId="{A81419D9-00A0-4D45-8079-DE434CE7A7CD}" dt="2021-03-15T05:52:24.050" v="30" actId="22"/>
+      <pc:sldChg chg="addSp modSp add mod ord">
+        <pc:chgData name="青木 大介" userId="a5fa08e51d23e1a7" providerId="LiveId" clId="{A81419D9-00A0-4D45-8079-DE434CE7A7CD}" dt="2021-03-16T07:37:35.851" v="78" actId="208"/>
         <pc:sldMkLst>
           <pc:docMk/>
           <pc:sldMk cId="3184424995" sldId="264"/>
         </pc:sldMkLst>
+        <pc:spChg chg="add mod">
+          <ac:chgData name="青木 大介" userId="a5fa08e51d23e1a7" providerId="LiveId" clId="{A81419D9-00A0-4D45-8079-DE434CE7A7CD}" dt="2021-03-16T07:37:35.851" v="78" actId="208"/>
+          <ac:spMkLst>
+            <pc:docMk/>
+            <pc:sldMk cId="3184424995" sldId="264"/>
+            <ac:spMk id="2" creationId="{9BFC8C9E-10C6-423F-A167-3D230EC1D4C3}"/>
+          </ac:spMkLst>
+        </pc:spChg>
         <pc:picChg chg="add">
           <ac:chgData name="青木 大介" userId="a5fa08e51d23e1a7" providerId="LiveId" clId="{A81419D9-00A0-4D45-8079-DE434CE7A7CD}" dt="2021-03-15T05:52:24.050" v="30" actId="22"/>
           <ac:picMkLst>
@@ -911,7 +935,7 @@
           <a:p>
             <a:fld id="{B1193EA5-69A7-4F10-BC99-B62171479260}" type="datetimeFigureOut">
               <a:rPr lang="en-US" smtClean="0"/>
-              <a:t>3/15/2021</a:t>
+              <a:t>3/16/2021</a:t>
             </a:fld>
             <a:endParaRPr lang="en-US"/>
           </a:p>
@@ -1109,7 +1133,7 @@
           <a:p>
             <a:fld id="{B1193EA5-69A7-4F10-BC99-B62171479260}" type="datetimeFigureOut">
               <a:rPr lang="en-US" smtClean="0"/>
-              <a:t>3/15/2021</a:t>
+              <a:t>3/16/2021</a:t>
             </a:fld>
             <a:endParaRPr lang="en-US"/>
           </a:p>
@@ -1317,7 +1341,7 @@
           <a:p>
             <a:fld id="{B1193EA5-69A7-4F10-BC99-B62171479260}" type="datetimeFigureOut">
               <a:rPr lang="en-US" smtClean="0"/>
-              <a:t>3/15/2021</a:t>
+              <a:t>3/16/2021</a:t>
             </a:fld>
             <a:endParaRPr lang="en-US"/>
           </a:p>
@@ -1515,7 +1539,7 @@
           <a:p>
             <a:fld id="{B1193EA5-69A7-4F10-BC99-B62171479260}" type="datetimeFigureOut">
               <a:rPr lang="en-US" smtClean="0"/>
-              <a:t>3/15/2021</a:t>
+              <a:t>3/16/2021</a:t>
             </a:fld>
             <a:endParaRPr lang="en-US"/>
           </a:p>
@@ -1790,7 +1814,7 @@
           <a:p>
             <a:fld id="{B1193EA5-69A7-4F10-BC99-B62171479260}" type="datetimeFigureOut">
               <a:rPr lang="en-US" smtClean="0"/>
-              <a:t>3/15/2021</a:t>
+              <a:t>3/16/2021</a:t>
             </a:fld>
             <a:endParaRPr lang="en-US"/>
           </a:p>
@@ -2055,7 +2079,7 @@
           <a:p>
             <a:fld id="{B1193EA5-69A7-4F10-BC99-B62171479260}" type="datetimeFigureOut">
               <a:rPr lang="en-US" smtClean="0"/>
-              <a:t>3/15/2021</a:t>
+              <a:t>3/16/2021</a:t>
             </a:fld>
             <a:endParaRPr lang="en-US"/>
           </a:p>
@@ -2467,7 +2491,7 @@
           <a:p>
             <a:fld id="{B1193EA5-69A7-4F10-BC99-B62171479260}" type="datetimeFigureOut">
               <a:rPr lang="en-US" smtClean="0"/>
-              <a:t>3/15/2021</a:t>
+              <a:t>3/16/2021</a:t>
             </a:fld>
             <a:endParaRPr lang="en-US"/>
           </a:p>
@@ -2608,7 +2632,7 @@
           <a:p>
             <a:fld id="{B1193EA5-69A7-4F10-BC99-B62171479260}" type="datetimeFigureOut">
               <a:rPr lang="en-US" smtClean="0"/>
-              <a:t>3/15/2021</a:t>
+              <a:t>3/16/2021</a:t>
             </a:fld>
             <a:endParaRPr lang="en-US"/>
           </a:p>
@@ -2721,7 +2745,7 @@
           <a:p>
             <a:fld id="{B1193EA5-69A7-4F10-BC99-B62171479260}" type="datetimeFigureOut">
               <a:rPr lang="en-US" smtClean="0"/>
-              <a:t>3/15/2021</a:t>
+              <a:t>3/16/2021</a:t>
             </a:fld>
             <a:endParaRPr lang="en-US"/>
           </a:p>
@@ -3032,7 +3056,7 @@
           <a:p>
             <a:fld id="{B1193EA5-69A7-4F10-BC99-B62171479260}" type="datetimeFigureOut">
               <a:rPr lang="en-US" smtClean="0"/>
-              <a:t>3/15/2021</a:t>
+              <a:t>3/16/2021</a:t>
             </a:fld>
             <a:endParaRPr lang="en-US"/>
           </a:p>
@@ -3320,7 +3344,7 @@
           <a:p>
             <a:fld id="{B1193EA5-69A7-4F10-BC99-B62171479260}" type="datetimeFigureOut">
               <a:rPr lang="en-US" smtClean="0"/>
-              <a:t>3/15/2021</a:t>
+              <a:t>3/16/2021</a:t>
             </a:fld>
             <a:endParaRPr lang="en-US"/>
           </a:p>
@@ -3561,7 +3585,7 @@
           <a:p>
             <a:fld id="{B1193EA5-69A7-4F10-BC99-B62171479260}" type="datetimeFigureOut">
               <a:rPr lang="en-US" smtClean="0"/>
-              <a:t>3/15/2021</a:t>
+              <a:t>3/16/2021</a:t>
             </a:fld>
             <a:endParaRPr lang="en-US"/>
           </a:p>
@@ -4406,6 +4430,69 @@
           </a:prstGeom>
         </p:spPr>
       </p:pic>
+      <p:sp>
+        <p:nvSpPr>
+          <p:cNvPr id="4" name="Rectangle 3">
+            <a:extLst>
+              <a:ext uri="{FF2B5EF4-FFF2-40B4-BE49-F238E27FC236}">
+                <a16:creationId xmlns:a16="http://schemas.microsoft.com/office/drawing/2014/main" id="{10D36407-4A1C-491C-B8D8-9F63BD8A1077}"/>
+              </a:ext>
+            </a:extLst>
+          </p:cNvPr>
+          <p:cNvSpPr/>
+          <p:nvPr/>
+        </p:nvSpPr>
+        <p:spPr>
+          <a:xfrm>
+            <a:off x="4378035" y="1874815"/>
+            <a:ext cx="711201" cy="249550"/>
+          </a:xfrm>
+          <a:prstGeom prst="rect">
+            <a:avLst/>
+          </a:prstGeom>
+          <a:solidFill>
+            <a:srgbClr val="F2F2F2"/>
+          </a:solidFill>
+          <a:ln>
+            <a:solidFill>
+              <a:schemeClr val="bg1"/>
+            </a:solidFill>
+          </a:ln>
+        </p:spPr>
+        <p:style>
+          <a:lnRef idx="2">
+            <a:schemeClr val="accent1">
+              <a:shade val="50000"/>
+            </a:schemeClr>
+          </a:lnRef>
+          <a:fillRef idx="1">
+            <a:schemeClr val="accent1"/>
+          </a:fillRef>
+          <a:effectRef idx="0">
+            <a:schemeClr val="accent1"/>
+          </a:effectRef>
+          <a:fontRef idx="minor">
+            <a:schemeClr val="lt1"/>
+          </a:fontRef>
+        </p:style>
+        <p:txBody>
+          <a:bodyPr rtlCol="0" anchor="ctr"/>
+          <a:lstStyle/>
+          <a:p>
+            <a:pPr algn="ctr"/>
+            <a:r>
+              <a:rPr lang="en-US" sz="1400" dirty="0">
+                <a:solidFill>
+                  <a:schemeClr val="tx1"/>
+                </a:solidFill>
+                <a:latin typeface="Times New Roman" panose="02020603050405020304" pitchFamily="18" charset="0"/>
+                <a:cs typeface="Times New Roman" panose="02020603050405020304" pitchFamily="18" charset="0"/>
+              </a:rPr>
+              <a:t>Pass</a:t>
+            </a:r>
+          </a:p>
+        </p:txBody>
+      </p:sp>
     </p:spTree>
     <p:extLst>
       <p:ext uri="{BB962C8B-B14F-4D97-AF65-F5344CB8AC3E}">
@@ -4466,6 +4553,69 @@
           </a:prstGeom>
         </p:spPr>
       </p:pic>
+      <p:sp>
+        <p:nvSpPr>
+          <p:cNvPr id="2" name="Rectangle 1">
+            <a:extLst>
+              <a:ext uri="{FF2B5EF4-FFF2-40B4-BE49-F238E27FC236}">
+                <a16:creationId xmlns:a16="http://schemas.microsoft.com/office/drawing/2014/main" id="{9BFC8C9E-10C6-423F-A167-3D230EC1D4C3}"/>
+              </a:ext>
+            </a:extLst>
+          </p:cNvPr>
+          <p:cNvSpPr/>
+          <p:nvPr/>
+        </p:nvSpPr>
+        <p:spPr>
+          <a:xfrm>
+            <a:off x="4378035" y="1874815"/>
+            <a:ext cx="711201" cy="249550"/>
+          </a:xfrm>
+          <a:prstGeom prst="rect">
+            <a:avLst/>
+          </a:prstGeom>
+          <a:solidFill>
+            <a:srgbClr val="F2F2F2"/>
+          </a:solidFill>
+          <a:ln>
+            <a:solidFill>
+              <a:schemeClr val="bg1"/>
+            </a:solidFill>
+          </a:ln>
+        </p:spPr>
+        <p:style>
+          <a:lnRef idx="2">
+            <a:schemeClr val="accent1">
+              <a:shade val="50000"/>
+            </a:schemeClr>
+          </a:lnRef>
+          <a:fillRef idx="1">
+            <a:schemeClr val="accent1"/>
+          </a:fillRef>
+          <a:effectRef idx="0">
+            <a:schemeClr val="accent1"/>
+          </a:effectRef>
+          <a:fontRef idx="minor">
+            <a:schemeClr val="lt1"/>
+          </a:fontRef>
+        </p:style>
+        <p:txBody>
+          <a:bodyPr rtlCol="0" anchor="ctr"/>
+          <a:lstStyle/>
+          <a:p>
+            <a:pPr algn="ctr"/>
+            <a:r>
+              <a:rPr lang="en-US" sz="1400" dirty="0">
+                <a:solidFill>
+                  <a:schemeClr val="tx1"/>
+                </a:solidFill>
+                <a:latin typeface="Times New Roman" panose="02020603050405020304" pitchFamily="18" charset="0"/>
+                <a:cs typeface="Times New Roman" panose="02020603050405020304" pitchFamily="18" charset="0"/>
+              </a:rPr>
+              <a:t>Pass</a:t>
+            </a:r>
+          </a:p>
+        </p:txBody>
+      </p:sp>
     </p:spTree>
     <p:extLst>
       <p:ext uri="{BB962C8B-B14F-4D97-AF65-F5344CB8AC3E}">
@@ -4706,6 +4856,69 @@
           </a:prstGeom>
         </p:spPr>
       </p:pic>
+      <p:sp>
+        <p:nvSpPr>
+          <p:cNvPr id="2" name="Rectangle 1">
+            <a:extLst>
+              <a:ext uri="{FF2B5EF4-FFF2-40B4-BE49-F238E27FC236}">
+                <a16:creationId xmlns:a16="http://schemas.microsoft.com/office/drawing/2014/main" id="{0B1B7CAE-1E49-4CB2-8BBC-7403A64B51D2}"/>
+              </a:ext>
+            </a:extLst>
+          </p:cNvPr>
+          <p:cNvSpPr/>
+          <p:nvPr/>
+        </p:nvSpPr>
+        <p:spPr>
+          <a:xfrm>
+            <a:off x="4692073" y="2124363"/>
+            <a:ext cx="1256145" cy="212436"/>
+          </a:xfrm>
+          <a:prstGeom prst="rect">
+            <a:avLst/>
+          </a:prstGeom>
+          <a:solidFill>
+            <a:schemeClr val="bg1"/>
+          </a:solidFill>
+          <a:ln>
+            <a:solidFill>
+              <a:schemeClr val="bg1"/>
+            </a:solidFill>
+          </a:ln>
+        </p:spPr>
+        <p:style>
+          <a:lnRef idx="2">
+            <a:schemeClr val="accent1">
+              <a:shade val="50000"/>
+            </a:schemeClr>
+          </a:lnRef>
+          <a:fillRef idx="1">
+            <a:schemeClr val="accent1"/>
+          </a:fillRef>
+          <a:effectRef idx="0">
+            <a:schemeClr val="accent1"/>
+          </a:effectRef>
+          <a:fontRef idx="minor">
+            <a:schemeClr val="lt1"/>
+          </a:fontRef>
+        </p:style>
+        <p:txBody>
+          <a:bodyPr rtlCol="0" anchor="ctr"/>
+          <a:lstStyle/>
+          <a:p>
+            <a:pPr algn="ctr"/>
+            <a:r>
+              <a:rPr lang="en-US" sz="1400" dirty="0">
+                <a:solidFill>
+                  <a:schemeClr val="tx1"/>
+                </a:solidFill>
+                <a:latin typeface="Times New Roman" panose="02020603050405020304" pitchFamily="18" charset="0"/>
+                <a:cs typeface="Times New Roman" panose="02020603050405020304" pitchFamily="18" charset="0"/>
+              </a:rPr>
+              <a:t>Q.LY Mon</a:t>
+            </a:r>
+          </a:p>
+        </p:txBody>
+      </p:sp>
     </p:spTree>
     <p:extLst>
       <p:ext uri="{BB962C8B-B14F-4D97-AF65-F5344CB8AC3E}">
